--- a/OOP Paradigm.pptx
+++ b/OOP Paradigm.pptx
@@ -1354,7 +1354,7 @@
             <a:fld id="{9334D819-9F07-4261-B09B-9E467E5D9002}" type="datetimeFigureOut">
               <a:rPr lang="en-US" dirty="0"/>
               <a:pPr/>
-              <a:t>11/25/18</a:t>
+              <a:t>11/26/18</a:t>
             </a:fld>
             <a:endParaRPr lang="en-US" dirty="0"/>
           </a:p>
@@ -1588,7 +1588,7 @@
           <a:p>
             <a:fld id="{9334D819-9F07-4261-B09B-9E467E5D9002}" type="datetimeFigureOut">
               <a:rPr lang="en-US" dirty="0"/>
-              <a:t>11/25/18</a:t>
+              <a:t>11/26/18</a:t>
             </a:fld>
             <a:endParaRPr lang="en-US" dirty="0"/>
           </a:p>
@@ -1763,7 +1763,7 @@
           <a:p>
             <a:fld id="{9334D819-9F07-4261-B09B-9E467E5D9002}" type="datetimeFigureOut">
               <a:rPr lang="en-US" dirty="0"/>
-              <a:t>11/25/18</a:t>
+              <a:t>11/26/18</a:t>
             </a:fld>
             <a:endParaRPr lang="en-US" dirty="0"/>
           </a:p>
@@ -1928,7 +1928,7 @@
           <a:p>
             <a:fld id="{9334D819-9F07-4261-B09B-9E467E5D9002}" type="datetimeFigureOut">
               <a:rPr lang="en-US" dirty="0"/>
-              <a:t>11/25/18</a:t>
+              <a:t>11/26/18</a:t>
             </a:fld>
             <a:endParaRPr lang="en-US" dirty="0"/>
           </a:p>
@@ -2200,7 +2200,7 @@
             <a:fld id="{9334D819-9F07-4261-B09B-9E467E5D9002}" type="datetimeFigureOut">
               <a:rPr lang="en-US" dirty="0"/>
               <a:pPr/>
-              <a:t>11/25/18</a:t>
+              <a:t>11/26/18</a:t>
             </a:fld>
             <a:endParaRPr lang="en-US" dirty="0"/>
           </a:p>
@@ -3397,7 +3397,7 @@
           <a:p>
             <a:fld id="{9334D819-9F07-4261-B09B-9E467E5D9002}" type="datetimeFigureOut">
               <a:rPr lang="en-US" dirty="0"/>
-              <a:t>11/25/18</a:t>
+              <a:t>11/26/18</a:t>
             </a:fld>
             <a:endParaRPr lang="en-US" dirty="0"/>
           </a:p>
@@ -3782,7 +3782,7 @@
           <a:p>
             <a:fld id="{9334D819-9F07-4261-B09B-9E467E5D9002}" type="datetimeFigureOut">
               <a:rPr lang="en-US" dirty="0"/>
-              <a:t>11/25/18</a:t>
+              <a:t>11/26/18</a:t>
             </a:fld>
             <a:endParaRPr lang="en-US" dirty="0"/>
           </a:p>
@@ -3900,7 +3900,7 @@
           <a:p>
             <a:fld id="{9334D819-9F07-4261-B09B-9E467E5D9002}" type="datetimeFigureOut">
               <a:rPr lang="en-US" dirty="0"/>
-              <a:t>11/25/18</a:t>
+              <a:t>11/26/18</a:t>
             </a:fld>
             <a:endParaRPr lang="en-US" dirty="0"/>
           </a:p>
@@ -3990,7 +3990,7 @@
           <a:p>
             <a:fld id="{9334D819-9F07-4261-B09B-9E467E5D9002}" type="datetimeFigureOut">
               <a:rPr lang="en-US" dirty="0"/>
-              <a:t>11/25/18</a:t>
+              <a:t>11/26/18</a:t>
             </a:fld>
             <a:endParaRPr lang="en-US" dirty="0"/>
           </a:p>
@@ -4748,7 +4748,7 @@
           <a:p>
             <a:fld id="{9334D819-9F07-4261-B09B-9E467E5D9002}" type="datetimeFigureOut">
               <a:rPr lang="en-US" dirty="0"/>
-              <a:t>11/25/18</a:t>
+              <a:t>11/26/18</a:t>
             </a:fld>
             <a:endParaRPr lang="en-US" dirty="0"/>
           </a:p>
@@ -5583,7 +5583,7 @@
           <a:p>
             <a:fld id="{9334D819-9F07-4261-B09B-9E467E5D9002}" type="datetimeFigureOut">
               <a:rPr lang="en-US" dirty="0"/>
-              <a:t>11/25/18</a:t>
+              <a:t>11/26/18</a:t>
             </a:fld>
             <a:endParaRPr lang="en-US" dirty="0"/>
           </a:p>
@@ -5806,7 +5806,7 @@
             <a:fld id="{9334D819-9F07-4261-B09B-9E467E5D9002}" type="datetimeFigureOut">
               <a:rPr lang="en-US" dirty="0"/>
               <a:pPr/>
-              <a:t>11/25/18</a:t>
+              <a:t>11/26/18</a:t>
             </a:fld>
             <a:endParaRPr lang="en-US" dirty="0"/>
           </a:p>
@@ -20141,8 +20141,13 @@
           <a:p>
             <a:r>
               <a:rPr lang="en-GB" dirty="0"/>
-              <a:t>Completing Task 1.0A &amp; B</a:t>
+              <a:t>Completing Task 1.0A </a:t>
             </a:r>
+            <a:r>
+              <a:rPr lang="en-GB"/>
+              <a:t>&amp; 1.0B</a:t>
+            </a:r>
+            <a:endParaRPr lang="en-GB" dirty="0"/>
           </a:p>
         </p:txBody>
       </p:sp>
@@ -20165,14 +20170,33 @@
         <p:spPr>
           <a:xfrm>
             <a:off x="1251678" y="1318661"/>
-            <a:ext cx="10178322" cy="5361272"/>
+            <a:ext cx="10510394" cy="5361272"/>
           </a:xfrm>
         </p:spPr>
         <p:txBody>
           <a:bodyPr>
-            <a:normAutofit lnSpcReduction="10000"/>
+            <a:normAutofit fontScale="85000" lnSpcReduction="10000"/>
           </a:bodyPr>
           <a:lstStyle/>
+          <a:p>
+            <a:pPr marL="0" indent="0">
+              <a:buNone/>
+            </a:pPr>
+            <a:r>
+              <a:rPr lang="en-GB" dirty="0"/>
+              <a:t>Titles: </a:t>
+            </a:r>
+            <a:r>
+              <a:rPr lang="en-GB" b="1" dirty="0"/>
+              <a:t>The Characteristics of an Object Orientated Paradigm &amp; Object Orientated Class Relationships</a:t>
+            </a:r>
+          </a:p>
+          <a:p>
+            <a:pPr marL="0" indent="0">
+              <a:buNone/>
+            </a:pPr>
+            <a:endParaRPr lang="en-GB" dirty="0"/>
+          </a:p>
           <a:p>
             <a:pPr marL="0" indent="0">
               <a:buNone/>
@@ -20348,8 +20372,8 @@
         </p:nvSpPr>
         <p:spPr>
           <a:xfrm>
-            <a:off x="1251678" y="382385"/>
-            <a:ext cx="10178322" cy="1141615"/>
+            <a:off x="1251678" y="382386"/>
+            <a:ext cx="10178322" cy="724520"/>
           </a:xfrm>
         </p:spPr>
         <p:txBody>
@@ -20360,15 +20384,7 @@
           <a:p>
             <a:r>
               <a:rPr lang="en-GB" sz="4000" dirty="0"/>
-              <a:t>Task 2.0: Design Pattern </a:t>
-            </a:r>
-            <a:r>
-              <a:rPr lang="en-GB" sz="4000"/>
-              <a:t>(Draft) </a:t>
-            </a:r>
-            <a:r>
-              <a:rPr lang="en-GB" sz="4000" dirty="0"/>
-              <a:t>Report</a:t>
+              <a:t>Task 2.0: Design Patterns (Draft) Report</a:t>
             </a:r>
           </a:p>
         </p:txBody>
@@ -20872,13 +20888,13 @@
         </p:nvSpPr>
         <p:spPr>
           <a:xfrm>
-            <a:off x="1251678" y="1906385"/>
-            <a:ext cx="10178322" cy="4456315"/>
+            <a:off x="1251678" y="1222408"/>
+            <a:ext cx="10510394" cy="5524901"/>
           </a:xfrm>
         </p:spPr>
         <p:txBody>
           <a:bodyPr>
-            <a:normAutofit/>
+            <a:normAutofit lnSpcReduction="10000"/>
           </a:bodyPr>
           <a:lstStyle/>
           <a:p>
@@ -20923,7 +20939,7 @@
             </a:pPr>
             <a:r>
               <a:rPr lang="en-GB" sz="1200" b="1" i="1" dirty="0"/>
-              <a:t>Use the following template to structure each of the three main sections of your report</a:t>
+              <a:t>Use the following template to structure your report and each of the three main sections within your report</a:t>
             </a:r>
             <a:r>
               <a:rPr lang="en-GB" sz="1200" dirty="0"/>
@@ -20935,10 +20951,67 @@
               <a:lnSpc>
                 <a:spcPct val="100000"/>
               </a:lnSpc>
+              <a:buFont typeface="+mj-lt"/>
+              <a:buAutoNum type="arabicPeriod"/>
             </a:pPr>
             <a:r>
-              <a:rPr lang="en-GB" sz="1200" i="1" dirty="0"/>
-              <a:t>Pattern Title:  the name and type of design pattern</a:t>
+              <a:rPr lang="en-GB" sz="1200" dirty="0"/>
+              <a:t>Report Introduction: </a:t>
+            </a:r>
+          </a:p>
+          <a:p>
+            <a:pPr lvl="1">
+              <a:lnSpc>
+                <a:spcPct val="100000"/>
+              </a:lnSpc>
+              <a:buFont typeface="+mj-lt"/>
+              <a:buAutoNum type="alphaLcPeriod"/>
+            </a:pPr>
+            <a:r>
+              <a:rPr lang="en-GB" sz="1000" i="1" dirty="0"/>
+              <a:t>Report title:  </a:t>
+            </a:r>
+            <a:r>
+              <a:rPr lang="en-GB" sz="1000" b="1" i="1" dirty="0"/>
+              <a:t>“</a:t>
+            </a:r>
+            <a:r>
+              <a:rPr lang="en-GB" sz="1000" b="1" i="1" u="sng" dirty="0"/>
+              <a:t>Exploring and Using Creational, Structural and Behavioural Design Patterns</a:t>
+            </a:r>
+            <a:r>
+              <a:rPr lang="en-GB" sz="1000" b="1" i="1" dirty="0"/>
+              <a:t>”</a:t>
+            </a:r>
+            <a:r>
+              <a:rPr lang="en-GB" sz="1000" i="1" dirty="0"/>
+              <a:t> </a:t>
+            </a:r>
+          </a:p>
+          <a:p>
+            <a:pPr lvl="1">
+              <a:lnSpc>
+                <a:spcPct val="100000"/>
+              </a:lnSpc>
+              <a:buFont typeface="+mj-lt"/>
+              <a:buAutoNum type="alphaLcPeriod"/>
+            </a:pPr>
+            <a:r>
+              <a:rPr lang="en-GB" sz="1000" i="1" dirty="0"/>
+              <a:t>Your name</a:t>
+            </a:r>
+          </a:p>
+          <a:p>
+            <a:pPr lvl="1">
+              <a:lnSpc>
+                <a:spcPct val="100000"/>
+              </a:lnSpc>
+              <a:buFont typeface="+mj-lt"/>
+              <a:buAutoNum type="alphaLcPeriod"/>
+            </a:pPr>
+            <a:r>
+              <a:rPr lang="en-GB" sz="1000" i="1" dirty="0"/>
+              <a:t>A brief outline about this report (e.g. this report explores the …); (40 – 60 words)</a:t>
             </a:r>
           </a:p>
           <a:p>
@@ -20946,10 +21019,61 @@
               <a:lnSpc>
                 <a:spcPct val="100000"/>
               </a:lnSpc>
+              <a:buFont typeface="+mj-lt"/>
+              <a:buAutoNum type="arabicPeriod"/>
             </a:pPr>
             <a:r>
+              <a:rPr lang="en-GB" sz="1200" dirty="0"/>
+              <a:t>Section Heading (the following structures (2-5) must be repeated </a:t>
+            </a:r>
+            <a:r>
+              <a:rPr lang="en-GB" sz="1200" b="1" dirty="0"/>
+              <a:t>3 times</a:t>
+            </a:r>
+            <a:r>
+              <a:rPr lang="en-GB" sz="1200" dirty="0"/>
+              <a:t>) </a:t>
+            </a:r>
+            <a:r>
               <a:rPr lang="en-GB" sz="1200" i="1" dirty="0"/>
-              <a:t>Overview:  A discussion about the specific design pattern;</a:t>
+              <a:t>-  </a:t>
+            </a:r>
+            <a:r>
+              <a:rPr lang="en-GB" sz="1000" i="1" dirty="0"/>
+              <a:t>The </a:t>
+            </a:r>
+            <a:r>
+              <a:rPr lang="en-GB" sz="1000" i="1" u="sng" dirty="0"/>
+              <a:t>name</a:t>
+            </a:r>
+            <a:r>
+              <a:rPr lang="en-GB" sz="1000" i="1" dirty="0"/>
+              <a:t> and </a:t>
+            </a:r>
+            <a:r>
+              <a:rPr lang="en-GB" sz="1000" i="1" u="sng" dirty="0"/>
+              <a:t>type</a:t>
+            </a:r>
+            <a:r>
+              <a:rPr lang="en-GB" sz="1000" i="1" dirty="0"/>
+              <a:t> of design pattern (the name will be that specified in 3C below, the type is specified in 3A)</a:t>
+            </a:r>
+          </a:p>
+          <a:p>
+            <a:pPr>
+              <a:lnSpc>
+                <a:spcPct val="100000"/>
+              </a:lnSpc>
+              <a:buFont typeface="+mj-lt"/>
+              <a:buAutoNum type="arabicPeriod"/>
+            </a:pPr>
+            <a:r>
+              <a:rPr lang="en-GB" sz="1200" dirty="0"/>
+              <a:t>Overview:  A discussion about the specific design pattern</a:t>
+            </a:r>
+            <a:r>
+              <a:rPr lang="en-GB" sz="1200" i="1" dirty="0"/>
+              <a:t>;</a:t>
             </a:r>
           </a:p>
           <a:p>
@@ -20957,10 +21081,12 @@
               <a:lnSpc>
                 <a:spcPct val="100000"/>
               </a:lnSpc>
+              <a:buFont typeface="+mj-lt"/>
+              <a:buAutoNum type="alphaLcPeriod"/>
             </a:pPr>
             <a:r>
               <a:rPr lang="en-GB" sz="1200" i="1" dirty="0"/>
-              <a:t>a high-level introduction about the type of pattern (e.g. which type it belongs to creational, structural, behavioural) (80-100 words) </a:t>
+              <a:t>A high-level introduction about this pattern type (e.g. 1. which type the patterns in this section belong to (creational, structural, behavioural); 2, a review of the what that ‘type’ overall is all about) (80-120 words) </a:t>
             </a:r>
           </a:p>
           <a:p>
@@ -20968,10 +21094,12 @@
               <a:lnSpc>
                 <a:spcPct val="100000"/>
               </a:lnSpc>
+              <a:buFont typeface="+mj-lt"/>
+              <a:buAutoNum type="alphaLcPeriod"/>
             </a:pPr>
             <a:r>
               <a:rPr lang="en-GB" sz="1200" i="1" dirty="0"/>
-              <a:t>A quick introduction to three specific design patterns that belong to that type (80-120 words) </a:t>
+              <a:t>A summary outline of three specific design patterns that each belong to that type (100-150 words) </a:t>
             </a:r>
           </a:p>
           <a:p>
@@ -20979,10 +21107,12 @@
               <a:lnSpc>
                 <a:spcPct val="100000"/>
               </a:lnSpc>
+              <a:buFont typeface="+mj-lt"/>
+              <a:buAutoNum type="alphaLcPeriod"/>
             </a:pPr>
             <a:r>
               <a:rPr lang="en-GB" sz="1200" i="1" dirty="0"/>
-              <a:t>A short outline explaining why you have selected the specific design pattern (select one from those you introduced above) (20-55 words)</a:t>
+              <a:t>An outline explaining why you have selected the specific design pattern (select one from those you introduced above – your outline must include; 1, why/what is important about this specific pattern; 2, a summary about its origin; and 3, a review on its implementation (e.g. size, complexity, etc); (90-150 words)</a:t>
             </a:r>
           </a:p>
           <a:p>
@@ -20990,10 +21120,25 @@
               <a:lnSpc>
                 <a:spcPct val="100000"/>
               </a:lnSpc>
+              <a:buFont typeface="+mj-lt"/>
+              <a:buAutoNum type="alphaLcPeriod"/>
             </a:pPr>
             <a:r>
               <a:rPr lang="en-GB" sz="1200" i="1" dirty="0"/>
-              <a:t>A summary of what your selected pattern does or seeks to do or tries to achieve (80-150 words)</a:t>
+              <a:t>A review of what your selected pattern does (or seeks to do or tries to achieve); (80-150 words)</a:t>
+            </a:r>
+          </a:p>
+          <a:p>
+            <a:pPr lvl="1">
+              <a:lnSpc>
+                <a:spcPct val="100000"/>
+              </a:lnSpc>
+              <a:buFont typeface="+mj-lt"/>
+              <a:buAutoNum type="alphaLcPeriod"/>
+            </a:pPr>
+            <a:r>
+              <a:rPr lang="en-GB" sz="1200" i="1" dirty="0"/>
+              <a:t>A short summary on; 1, how common it is and why; 2, whether there are different flavours of the pattern and why, (e.g. what each flavour provides/solves – why is different?); (50 - 120 words)</a:t>
             </a:r>
           </a:p>
           <a:p>
@@ -21001,10 +21146,16 @@
               <a:lnSpc>
                 <a:spcPct val="100000"/>
               </a:lnSpc>
+              <a:buFont typeface="+mj-lt"/>
+              <a:buAutoNum type="arabicPeriod"/>
             </a:pPr>
             <a:r>
+              <a:rPr lang="en-GB" sz="1200" dirty="0"/>
+              <a:t>Usage: </a:t>
+            </a:r>
+            <a:r>
               <a:rPr lang="en-GB" sz="1200" i="1" dirty="0"/>
-              <a:t>Usage: A bullet list (3-5) with well considered details about when to use this pattern (40-80 words)</a:t>
+              <a:t>A bullet list (3-5) with well considered details about when to use this pattern (40-80 words)</a:t>
             </a:r>
           </a:p>
           <a:p>
@@ -21012,10 +21163,16 @@
               <a:lnSpc>
                 <a:spcPct val="100000"/>
               </a:lnSpc>
+              <a:buFont typeface="+mj-lt"/>
+              <a:buAutoNum type="arabicPeriod"/>
             </a:pPr>
             <a:r>
+              <a:rPr lang="en-GB" sz="1200" dirty="0"/>
+              <a:t>Example</a:t>
+            </a:r>
+            <a:r>
               <a:rPr lang="en-GB" sz="1200" i="1" dirty="0"/>
-              <a:t>Example:  </a:t>
+              <a:t>:  </a:t>
             </a:r>
           </a:p>
           <a:p>
@@ -21023,6 +21180,8 @@
               <a:lnSpc>
                 <a:spcPct val="100000"/>
               </a:lnSpc>
+              <a:buFont typeface="+mj-lt"/>
+              <a:buAutoNum type="alphaLcPeriod"/>
             </a:pPr>
             <a:r>
               <a:rPr lang="en-GB" sz="1200" i="1" dirty="0"/>
@@ -21034,6 +21193,8 @@
               <a:lnSpc>
                 <a:spcPct val="100000"/>
               </a:lnSpc>
+              <a:buFont typeface="+mj-lt"/>
+              <a:buAutoNum type="alphaLcPeriod"/>
             </a:pPr>
             <a:r>
               <a:rPr lang="en-GB" sz="1200" i="1" dirty="0"/>
@@ -21133,7 +21294,7 @@
         <p:spPr>
           <a:xfrm>
             <a:off x="1251678" y="1318661"/>
-            <a:ext cx="10178322" cy="5361272"/>
+            <a:ext cx="10664398" cy="5361272"/>
           </a:xfrm>
         </p:spPr>
         <p:txBody>
@@ -21141,6 +21302,19 @@
             <a:normAutofit/>
           </a:bodyPr>
           <a:lstStyle/>
+          <a:p>
+            <a:pPr marL="0" indent="0">
+              <a:buNone/>
+            </a:pPr>
+            <a:r>
+              <a:rPr lang="en-GB" dirty="0"/>
+              <a:t>Report Titled: </a:t>
+            </a:r>
+            <a:r>
+              <a:rPr lang="en-GB" b="1" dirty="0"/>
+              <a:t>Exploring and Using Creational, Structural and Behavioural Design Patterns</a:t>
+            </a:r>
+          </a:p>
           <a:p>
             <a:pPr marL="0" indent="0">
               <a:buNone/>
@@ -21311,7 +21485,7 @@
             </a:pPr>
             <a:r>
               <a:rPr lang="en-GB" dirty="0"/>
-              <a:t>In order to free up as much time over Christmas you will be expected to produce a fairly well presented draft report for next weeks session – this means that you should make a good effort over the next 7 days.  The report needs to consist of three main sections (one for each example pattern)</a:t>
+              <a:t>In order to free up as much time over Christmas you will be expected to produce a fairly well presented draft report for next week’s session – this means that you should make a good effort over the next 7 days.  The report needs to consist of three main sections (one for each example pattern)</a:t>
             </a:r>
           </a:p>
           <a:p>
